--- a/Final Project/Document/Presentation.pptx
+++ b/Final Project/Document/Presentation.pptx
@@ -221,7 +221,7 @@
           <a:p>
             <a:fld id="{27148A21-4816-4A04-9E36-14D99E7DD866}" type="datetimeFigureOut">
               <a:rPr lang="en-US" smtClean="0"/>
-              <a:t>2/25/2024</a:t>
+              <a:t>2/26/2024</a:t>
             </a:fld>
             <a:endParaRPr lang="en-US"/>
           </a:p>
@@ -704,7 +704,7 @@
           <a:p>
             <a:fld id="{F0AB66BB-B0DB-4033-8855-802EF31F8B31}" type="datetimeFigureOut">
               <a:rPr lang="en-US" smtClean="0"/>
-              <a:t>2/25/2024</a:t>
+              <a:t>2/26/2024</a:t>
             </a:fld>
             <a:endParaRPr lang="en-US"/>
           </a:p>
@@ -874,7 +874,7 @@
           <a:p>
             <a:fld id="{F0AB66BB-B0DB-4033-8855-802EF31F8B31}" type="datetimeFigureOut">
               <a:rPr lang="en-US" smtClean="0"/>
-              <a:t>2/25/2024</a:t>
+              <a:t>2/26/2024</a:t>
             </a:fld>
             <a:endParaRPr lang="en-US"/>
           </a:p>
@@ -1054,7 +1054,7 @@
           <a:p>
             <a:fld id="{F0AB66BB-B0DB-4033-8855-802EF31F8B31}" type="datetimeFigureOut">
               <a:rPr lang="en-US" smtClean="0"/>
-              <a:t>2/25/2024</a:t>
+              <a:t>2/26/2024</a:t>
             </a:fld>
             <a:endParaRPr lang="en-US"/>
           </a:p>
@@ -1224,7 +1224,7 @@
           <a:p>
             <a:fld id="{F0AB66BB-B0DB-4033-8855-802EF31F8B31}" type="datetimeFigureOut">
               <a:rPr lang="en-US" smtClean="0"/>
-              <a:t>2/25/2024</a:t>
+              <a:t>2/26/2024</a:t>
             </a:fld>
             <a:endParaRPr lang="en-US"/>
           </a:p>
@@ -1470,7 +1470,7 @@
           <a:p>
             <a:fld id="{F0AB66BB-B0DB-4033-8855-802EF31F8B31}" type="datetimeFigureOut">
               <a:rPr lang="en-US" smtClean="0"/>
-              <a:t>2/25/2024</a:t>
+              <a:t>2/26/2024</a:t>
             </a:fld>
             <a:endParaRPr lang="en-US"/>
           </a:p>
@@ -1702,7 +1702,7 @@
           <a:p>
             <a:fld id="{F0AB66BB-B0DB-4033-8855-802EF31F8B31}" type="datetimeFigureOut">
               <a:rPr lang="en-US" smtClean="0"/>
-              <a:t>2/25/2024</a:t>
+              <a:t>2/26/2024</a:t>
             </a:fld>
             <a:endParaRPr lang="en-US"/>
           </a:p>
@@ -2069,7 +2069,7 @@
           <a:p>
             <a:fld id="{F0AB66BB-B0DB-4033-8855-802EF31F8B31}" type="datetimeFigureOut">
               <a:rPr lang="en-US" smtClean="0"/>
-              <a:t>2/25/2024</a:t>
+              <a:t>2/26/2024</a:t>
             </a:fld>
             <a:endParaRPr lang="en-US"/>
           </a:p>
@@ -2187,7 +2187,7 @@
           <a:p>
             <a:fld id="{F0AB66BB-B0DB-4033-8855-802EF31F8B31}" type="datetimeFigureOut">
               <a:rPr lang="en-US" smtClean="0"/>
-              <a:t>2/25/2024</a:t>
+              <a:t>2/26/2024</a:t>
             </a:fld>
             <a:endParaRPr lang="en-US"/>
           </a:p>
@@ -2282,7 +2282,7 @@
           <a:p>
             <a:fld id="{F0AB66BB-B0DB-4033-8855-802EF31F8B31}" type="datetimeFigureOut">
               <a:rPr lang="en-US" smtClean="0"/>
-              <a:t>2/25/2024</a:t>
+              <a:t>2/26/2024</a:t>
             </a:fld>
             <a:endParaRPr lang="en-US"/>
           </a:p>
@@ -2559,7 +2559,7 @@
           <a:p>
             <a:fld id="{F0AB66BB-B0DB-4033-8855-802EF31F8B31}" type="datetimeFigureOut">
               <a:rPr lang="en-US" smtClean="0"/>
-              <a:t>2/25/2024</a:t>
+              <a:t>2/26/2024</a:t>
             </a:fld>
             <a:endParaRPr lang="en-US"/>
           </a:p>
@@ -2812,7 +2812,7 @@
           <a:p>
             <a:fld id="{F0AB66BB-B0DB-4033-8855-802EF31F8B31}" type="datetimeFigureOut">
               <a:rPr lang="en-US" smtClean="0"/>
-              <a:t>2/25/2024</a:t>
+              <a:t>2/26/2024</a:t>
             </a:fld>
             <a:endParaRPr lang="en-US"/>
           </a:p>
@@ -3025,7 +3025,7 @@
           <a:p>
             <a:fld id="{F0AB66BB-B0DB-4033-8855-802EF31F8B31}" type="datetimeFigureOut">
               <a:rPr lang="en-US" smtClean="0"/>
-              <a:t>2/25/2024</a:t>
+              <a:t>2/26/2024</a:t>
             </a:fld>
             <a:endParaRPr lang="en-US"/>
           </a:p>
@@ -3660,6 +3660,13 @@
   <p:clrMapOvr>
     <a:masterClrMapping/>
   </p:clrMapOvr>
+  <p:timing>
+    <p:tnLst>
+      <p:par>
+        <p:cTn id="1" dur="indefinite" restart="never" nodeType="tmRoot"/>
+      </p:par>
+    </p:tnLst>
+  </p:timing>
 </p:sld>
 </file>
 
@@ -3885,6 +3892,13 @@
   <p:clrMapOvr>
     <a:masterClrMapping/>
   </p:clrMapOvr>
+  <p:timing>
+    <p:tnLst>
+      <p:par>
+        <p:cTn id="1" dur="indefinite" restart="never" nodeType="tmRoot"/>
+      </p:par>
+    </p:tnLst>
+  </p:timing>
 </p:sld>
 </file>
 
@@ -3947,7 +3961,9 @@
         </p:nvSpPr>
         <p:spPr/>
         <p:txBody>
-          <a:bodyPr/>
+          <a:bodyPr>
+            <a:normAutofit/>
+          </a:bodyPr>
           <a:lstStyle/>
           <a:p>
             <a:r>
@@ -3973,16 +3989,14 @@
                 <a:latin typeface="Times New Roman" panose="02020603050405020304" pitchFamily="18" charset="0"/>
                 <a:cs typeface="Times New Roman" panose="02020603050405020304" pitchFamily="18" charset="0"/>
               </a:rPr>
-              <a:t>SPX</a:t>
-            </a:r>
-          </a:p>
-          <a:p>
-            <a:r>
-              <a:rPr lang="en-US" dirty="0" err="1" smtClean="0">
-                <a:latin typeface="Times New Roman" panose="02020603050405020304" pitchFamily="18" charset="0"/>
-                <a:cs typeface="Times New Roman" panose="02020603050405020304" pitchFamily="18" charset="0"/>
-              </a:rPr>
-              <a:t>BLX_alpha</a:t>
+              <a:t>SPX: </a:t>
+            </a:r>
+            <a:r>
+              <a:rPr lang="en-US" dirty="0">
+                <a:latin typeface="Times New Roman" panose="02020603050405020304" pitchFamily="18" charset="0"/>
+                <a:cs typeface="Times New Roman" panose="02020603050405020304" pitchFamily="18" charset="0"/>
+              </a:rPr>
+              <a:t>multimodality </a:t>
             </a:r>
             <a:endParaRPr lang="en-US" dirty="0" smtClean="0">
               <a:latin typeface="Times New Roman" panose="02020603050405020304" pitchFamily="18" charset="0"/>
@@ -3991,13 +4005,61 @@
           </a:p>
           <a:p>
             <a:r>
-              <a:rPr lang="en-US" sz="2505" dirty="0" smtClean="0">
-                <a:latin typeface="Times New Roman" panose="02020603050405020304" pitchFamily="18" charset="0"/>
-                <a:cs typeface="Times New Roman" panose="02020603050405020304" pitchFamily="18" charset="0"/>
-              </a:rPr>
-              <a:t>DE/Rand/1</a:t>
-            </a:r>
-            <a:endParaRPr lang="en-US" sz="2505" dirty="0">
+              <a:rPr lang="en-US" dirty="0" err="1" smtClean="0">
+                <a:latin typeface="Times New Roman" panose="02020603050405020304" pitchFamily="18" charset="0"/>
+                <a:cs typeface="Times New Roman" panose="02020603050405020304" pitchFamily="18" charset="0"/>
+              </a:rPr>
+              <a:t>BLX_alpha</a:t>
+            </a:r>
+            <a:r>
+              <a:rPr lang="en-US" dirty="0" smtClean="0">
+                <a:latin typeface="Times New Roman" panose="02020603050405020304" pitchFamily="18" charset="0"/>
+                <a:cs typeface="Times New Roman" panose="02020603050405020304" pitchFamily="18" charset="0"/>
+              </a:rPr>
+              <a:t>: </a:t>
+            </a:r>
+            <a:r>
+              <a:rPr lang="en-US" dirty="0" smtClean="0">
+                <a:latin typeface="Times New Roman" panose="02020603050405020304" pitchFamily="18" charset="0"/>
+                <a:cs typeface="Times New Roman" panose="02020603050405020304" pitchFamily="18" charset="0"/>
+              </a:rPr>
+              <a:t>surrounding </a:t>
+            </a:r>
+            <a:r>
+              <a:rPr lang="en-US" dirty="0">
+                <a:latin typeface="Times New Roman" panose="02020603050405020304" pitchFamily="18" charset="0"/>
+                <a:cs typeface="Times New Roman" panose="02020603050405020304" pitchFamily="18" charset="0"/>
+              </a:rPr>
+              <a:t>area in the parameter space</a:t>
+            </a:r>
+            <a:endParaRPr lang="en-US" dirty="0" smtClean="0">
+              <a:latin typeface="Times New Roman" panose="02020603050405020304" pitchFamily="18" charset="0"/>
+              <a:cs typeface="Times New Roman" panose="02020603050405020304" pitchFamily="18" charset="0"/>
+            </a:endParaRPr>
+          </a:p>
+          <a:p>
+            <a:r>
+              <a:rPr lang="en-US" dirty="0" smtClean="0">
+                <a:latin typeface="Times New Roman" panose="02020603050405020304" pitchFamily="18" charset="0"/>
+                <a:cs typeface="Times New Roman" panose="02020603050405020304" pitchFamily="18" charset="0"/>
+              </a:rPr>
+              <a:t>DE/Rand/1: </a:t>
+            </a:r>
+            <a:r>
+              <a:rPr lang="en-US" dirty="0">
+                <a:latin typeface="Times New Roman" panose="02020603050405020304" pitchFamily="18" charset="0"/>
+                <a:cs typeface="Times New Roman" panose="02020603050405020304" pitchFamily="18" charset="0"/>
+              </a:rPr>
+              <a:t>high-dimensional </a:t>
+            </a:r>
+            <a:r>
+              <a:rPr lang="en-US" dirty="0" smtClean="0">
+                <a:latin typeface="Times New Roman" panose="02020603050405020304" pitchFamily="18" charset="0"/>
+                <a:cs typeface="Times New Roman" panose="02020603050405020304" pitchFamily="18" charset="0"/>
+              </a:rPr>
+              <a:t>spaces</a:t>
+            </a:r>
+            <a:endParaRPr lang="en-US" dirty="0">
               <a:latin typeface="Times New Roman" panose="02020603050405020304" pitchFamily="18" charset="0"/>
               <a:cs typeface="Times New Roman" panose="02020603050405020304" pitchFamily="18" charset="0"/>
             </a:endParaRPr>
@@ -4014,6 +4076,13 @@
   <p:clrMapOvr>
     <a:masterClrMapping/>
   </p:clrMapOvr>
+  <p:timing>
+    <p:tnLst>
+      <p:par>
+        <p:cTn id="1" dur="indefinite" restart="never" nodeType="tmRoot"/>
+      </p:par>
+    </p:tnLst>
+  </p:timing>
 </p:sld>
 </file>
 
@@ -4047,7 +4116,7 @@
         <p:spPr/>
         <p:txBody>
           <a:bodyPr>
-            <a:normAutofit/>
+            <a:normAutofit fontScale="90000"/>
           </a:bodyPr>
           <a:lstStyle/>
           <a:p>
@@ -4060,18 +4129,25 @@
               </a:spcBef>
             </a:pPr>
             <a:r>
-              <a:rPr lang="en-US" sz="4000" u="sng" dirty="0" smtClean="0">
+              <a:rPr lang="en-US" sz="4900" u="sng" dirty="0" smtClean="0">
                 <a:latin typeface="Times New Roman" panose="02020603050405020304" pitchFamily="18" charset="0"/>
                 <a:cs typeface="Times New Roman" panose="02020603050405020304" pitchFamily="18" charset="0"/>
               </a:rPr>
               <a:t>AGMOEA</a:t>
             </a:r>
             <a:r>
+              <a:rPr lang="en-US" sz="4900" dirty="0" smtClean="0">
+                <a:latin typeface="Times New Roman" panose="02020603050405020304" pitchFamily="18" charset="0"/>
+                <a:cs typeface="Times New Roman" panose="02020603050405020304" pitchFamily="18" charset="0"/>
+              </a:rPr>
+              <a:t>: </a:t>
+            </a:r>
+            <a:r>
               <a:rPr lang="en-US" sz="4000" dirty="0" smtClean="0">
                 <a:latin typeface="Times New Roman" panose="02020603050405020304" pitchFamily="18" charset="0"/>
                 <a:cs typeface="Times New Roman" panose="02020603050405020304" pitchFamily="18" charset="0"/>
               </a:rPr>
-              <a:t>:</a:t>
+              <a:t/>
             </a:r>
             <a:br>
               <a:rPr lang="en-US" sz="4000" dirty="0" smtClean="0">
@@ -4080,7 +4156,27 @@
               </a:rPr>
             </a:br>
             <a:r>
-              <a:rPr lang="en-US" sz="2800" dirty="0" smtClean="0">
+              <a:rPr lang="en-US" sz="2200" dirty="0" smtClean="0">
+                <a:latin typeface="Times New Roman" panose="02020603050405020304" pitchFamily="18" charset="0"/>
+                <a:cs typeface="Times New Roman" panose="02020603050405020304" pitchFamily="18" charset="0"/>
+              </a:rPr>
+              <a:t>(referenced other papers)</a:t>
+            </a:r>
+            <a:r>
+              <a:rPr lang="en-US" sz="3100" dirty="0" smtClean="0">
+                <a:latin typeface="Times New Roman" panose="02020603050405020304" pitchFamily="18" charset="0"/>
+                <a:cs typeface="Times New Roman" panose="02020603050405020304" pitchFamily="18" charset="0"/>
+              </a:rPr>
+              <a:t/>
+            </a:r>
+            <a:br>
+              <a:rPr lang="en-US" sz="3100" dirty="0" smtClean="0">
+                <a:latin typeface="Times New Roman" panose="02020603050405020304" pitchFamily="18" charset="0"/>
+                <a:cs typeface="Times New Roman" panose="02020603050405020304" pitchFamily="18" charset="0"/>
+              </a:rPr>
+            </a:br>
+            <a:r>
+              <a:rPr lang="en-US" sz="2200" dirty="0" smtClean="0">
                 <a:solidFill>
                   <a:schemeClr val="tx1">
                     <a:lumMod val="75000"/>
@@ -4092,7 +4188,7 @@
               </a:rPr>
               <a:t>Adaptive crossover selection</a:t>
             </a:r>
-            <a:endParaRPr lang="en-US" sz="2800" u="sng" dirty="0">
+            <a:endParaRPr lang="en-US" sz="2200" u="sng" dirty="0">
               <a:solidFill>
                 <a:schemeClr val="tx1">
                   <a:lumMod val="75000"/>
@@ -5209,6 +5305,13 @@
   <p:clrMapOvr>
     <a:masterClrMapping/>
   </p:clrMapOvr>
+  <p:timing>
+    <p:tnLst>
+      <p:par>
+        <p:cTn id="1" dur="indefinite" restart="never" nodeType="tmRoot"/>
+      </p:par>
+    </p:tnLst>
+  </p:timing>
 </p:sld>
 </file>
 
@@ -5672,40 +5775,12 @@
       </p:sp>
       <p:pic>
         <p:nvPicPr>
-          <p:cNvPr id="4" name="Picture 3"/>
-          <p:cNvPicPr/>
-          <p:nvPr/>
-        </p:nvPicPr>
-        <p:blipFill>
-          <a:blip r:embed="rId2" cstate="print">
-            <a:extLst>
-              <a:ext uri="{28A0092B-C50C-407E-A947-70E740481C1C}">
-                <a14:useLocalDpi xmlns:a14="http://schemas.microsoft.com/office/drawing/2010/main" val="0"/>
-              </a:ext>
-            </a:extLst>
-          </a:blip>
-          <a:stretch>
-            <a:fillRect/>
-          </a:stretch>
-        </p:blipFill>
-        <p:spPr>
-          <a:xfrm>
-            <a:off x="838200" y="2368755"/>
-            <a:ext cx="7016931" cy="2456769"/>
-          </a:xfrm>
-          <a:prstGeom prst="rect">
-            <a:avLst/>
-          </a:prstGeom>
-        </p:spPr>
-      </p:pic>
-      <p:pic>
-        <p:nvPicPr>
           <p:cNvPr id="5" name="Picture 4"/>
           <p:cNvPicPr/>
           <p:nvPr/>
         </p:nvPicPr>
         <p:blipFill rotWithShape="1">
-          <a:blip r:embed="rId3">
+          <a:blip r:embed="rId2">
             <a:extLst>
               <a:ext uri="{28A0092B-C50C-407E-A947-70E740481C1C}">
                 <a14:useLocalDpi xmlns:a14="http://schemas.microsoft.com/office/drawing/2010/main" val="0"/>
@@ -5732,6 +5807,36 @@
               <a14:shadowObscured xmlns:a14="http://schemas.microsoft.com/office/drawing/2010/main"/>
             </a:ext>
           </a:extLst>
+        </p:spPr>
+      </p:pic>
+      <p:pic>
+        <p:nvPicPr>
+          <p:cNvPr id="6" name="Picture 5"/>
+          <p:cNvPicPr>
+            <a:picLocks noChangeAspect="1"/>
+          </p:cNvPicPr>
+          <p:nvPr/>
+        </p:nvPicPr>
+        <p:blipFill>
+          <a:blip r:embed="rId3">
+            <a:extLst>
+              <a:ext uri="{28A0092B-C50C-407E-A947-70E740481C1C}">
+                <a14:useLocalDpi xmlns:a14="http://schemas.microsoft.com/office/drawing/2010/main" val="0"/>
+              </a:ext>
+            </a:extLst>
+          </a:blip>
+          <a:stretch>
+            <a:fillRect/>
+          </a:stretch>
+        </p:blipFill>
+        <p:spPr>
+          <a:xfrm>
+            <a:off x="838200" y="2378102"/>
+            <a:ext cx="7376945" cy="2447422"/>
+          </a:xfrm>
+          <a:prstGeom prst="rect">
+            <a:avLst/>
+          </a:prstGeom>
         </p:spPr>
       </p:pic>
     </p:spTree>
@@ -6475,38 +6580,16 @@
               </a:rPr>
               <a:t>Problems</a:t>
             </a:r>
-            <a:endParaRPr lang="en-US" dirty="0" smtClean="0">
-              <a:solidFill>
-                <a:schemeClr val="tx1">
-                  <a:lumMod val="75000"/>
-                  <a:lumOff val="25000"/>
-                </a:schemeClr>
-              </a:solidFill>
-              <a:latin typeface="Times New Roman" panose="02020603050405020304" pitchFamily="18" charset="0"/>
-              <a:cs typeface="Times New Roman" panose="02020603050405020304" pitchFamily="18" charset="0"/>
-            </a:endParaRPr>
-          </a:p>
-          <a:p>
-            <a:r>
-              <a:rPr lang="en-US" dirty="0" smtClean="0">
-                <a:solidFill>
-                  <a:schemeClr val="tx1">
-                    <a:lumMod val="75000"/>
-                    <a:lumOff val="25000"/>
-                  </a:schemeClr>
-                </a:solidFill>
+          </a:p>
+          <a:p>
+            <a:r>
+              <a:rPr lang="en-US" sz="3600" b="1" dirty="0" smtClean="0">
                 <a:latin typeface="Times New Roman" panose="02020603050405020304" pitchFamily="18" charset="0"/>
                 <a:cs typeface="Times New Roman" panose="02020603050405020304" pitchFamily="18" charset="0"/>
               </a:rPr>
               <a:t>Result</a:t>
             </a:r>
-            <a:endParaRPr lang="en-US" dirty="0">
-              <a:solidFill>
-                <a:schemeClr val="tx1">
-                  <a:lumMod val="75000"/>
-                  <a:lumOff val="25000"/>
-                </a:schemeClr>
-              </a:solidFill>
+            <a:endParaRPr lang="en-US" sz="3600" b="1" dirty="0">
               <a:latin typeface="Times New Roman" panose="02020603050405020304" pitchFamily="18" charset="0"/>
               <a:cs typeface="Times New Roman" panose="02020603050405020304" pitchFamily="18" charset="0"/>
             </a:endParaRPr>
@@ -6523,6 +6606,13 @@
   <p:clrMapOvr>
     <a:masterClrMapping/>
   </p:clrMapOvr>
+  <p:timing>
+    <p:tnLst>
+      <p:par>
+        <p:cTn id="1" dur="indefinite" restart="never" nodeType="tmRoot"/>
+      </p:par>
+    </p:tnLst>
+  </p:timing>
 </p:sld>
 </file>
 
@@ -7307,7 +7397,15 @@
           <a:p>
             <a:r>
               <a:rPr lang="en-US" dirty="0" smtClean="0"/>
-              <a:t>Adaptive crossover =&gt; exploration and exploitation </a:t>
+              <a:t>Adaptive crossover =&gt; </a:t>
+            </a:r>
+            <a:r>
+              <a:rPr lang="en-US" dirty="0" smtClean="0"/>
+              <a:t>Adaptive exploration </a:t>
+            </a:r>
+            <a:r>
+              <a:rPr lang="en-US" dirty="0" smtClean="0"/>
+              <a:t>and exploitation </a:t>
             </a:r>
           </a:p>
           <a:p>
@@ -7712,6 +7810,13 @@
   <p:clrMapOvr>
     <a:masterClrMapping/>
   </p:clrMapOvr>
+  <p:timing>
+    <p:tnLst>
+      <p:par>
+        <p:cTn id="1" dur="indefinite" restart="never" nodeType="tmRoot"/>
+      </p:par>
+    </p:tnLst>
+  </p:timing>
 </p:sld>
 </file>
 
@@ -7817,6 +7922,13 @@
   <p:clrMapOvr>
     <a:masterClrMapping/>
   </p:clrMapOvr>
+  <p:timing>
+    <p:tnLst>
+      <p:par>
+        <p:cTn id="1" dur="indefinite" restart="never" nodeType="tmRoot"/>
+      </p:par>
+    </p:tnLst>
+  </p:timing>
 </p:sld>
 </file>
 
@@ -8107,6 +8219,13 @@
   <p:clrMapOvr>
     <a:masterClrMapping/>
   </p:clrMapOvr>
+  <p:timing>
+    <p:tnLst>
+      <p:par>
+        <p:cTn id="1" dur="indefinite" restart="never" nodeType="tmRoot"/>
+      </p:par>
+    </p:tnLst>
+  </p:timing>
 </p:sld>
 </file>
 
@@ -8245,6 +8364,42 @@
           </a:prstGeom>
         </p:spPr>
       </p:pic>
+      <p:sp>
+        <p:nvSpPr>
+          <p:cNvPr id="3" name="TextBox 2"/>
+          <p:cNvSpPr txBox="1"/>
+          <p:nvPr/>
+        </p:nvSpPr>
+        <p:spPr>
+          <a:xfrm>
+            <a:off x="838200" y="1914525"/>
+            <a:ext cx="1247775" cy="646331"/>
+          </a:xfrm>
+          <a:prstGeom prst="rect">
+            <a:avLst/>
+          </a:prstGeom>
+          <a:noFill/>
+        </p:spPr>
+        <p:txBody>
+          <a:bodyPr wrap="square" rtlCol="0">
+            <a:spAutoFit/>
+          </a:bodyPr>
+          <a:lstStyle/>
+          <a:p>
+            <a:r>
+              <a:rPr lang="en-US" dirty="0" smtClean="0"/>
+              <a:t>K_1 = 1, 1</a:t>
+            </a:r>
+          </a:p>
+          <a:p>
+            <a:r>
+              <a:rPr lang="en-US" dirty="0" smtClean="0"/>
+              <a:t>K_2 = 1, 2</a:t>
+            </a:r>
+            <a:endParaRPr lang="en-US" dirty="0"/>
+          </a:p>
+        </p:txBody>
+      </p:sp>
     </p:spTree>
     <p:extLst>
       <p:ext uri="{BB962C8B-B14F-4D97-AF65-F5344CB8AC3E}">
@@ -8255,6 +8410,13 @@
   <p:clrMapOvr>
     <a:masterClrMapping/>
   </p:clrMapOvr>
+  <p:timing>
+    <p:tnLst>
+      <p:par>
+        <p:cTn id="1" dur="indefinite" restart="never" nodeType="tmRoot"/>
+      </p:par>
+    </p:tnLst>
+  </p:timing>
 </p:sld>
 </file>
 
@@ -8575,6 +8737,13 @@
   <p:clrMapOvr>
     <a:masterClrMapping/>
   </p:clrMapOvr>
+  <p:timing>
+    <p:tnLst>
+      <p:par>
+        <p:cTn id="1" dur="indefinite" restart="never" nodeType="tmRoot"/>
+      </p:par>
+    </p:tnLst>
+  </p:timing>
 </p:sld>
 </file>
 
@@ -8831,6 +9000,13 @@
   <p:clrMapOvr>
     <a:masterClrMapping/>
   </p:clrMapOvr>
+  <p:timing>
+    <p:tnLst>
+      <p:par>
+        <p:cTn id="1" dur="indefinite" restart="never" nodeType="tmRoot"/>
+      </p:par>
+    </p:tnLst>
+  </p:timing>
 </p:sld>
 </file>
 
@@ -8999,6 +9175,156 @@
           </a:prstGeom>
         </p:spPr>
       </p:pic>
+      <p:cxnSp>
+        <p:nvCxnSpPr>
+          <p:cNvPr id="8" name="Curved Connector 7"/>
+          <p:cNvCxnSpPr/>
+          <p:nvPr/>
+        </p:nvCxnSpPr>
+        <p:spPr>
+          <a:xfrm rot="16200000" flipV="1">
+            <a:off x="5320121" y="4128679"/>
+            <a:ext cx="1623604" cy="977537"/>
+          </a:xfrm>
+          <a:prstGeom prst="curvedConnector3">
+            <a:avLst>
+              <a:gd name="adj1" fmla="val 51760"/>
+            </a:avLst>
+          </a:prstGeom>
+          <a:ln w="19050">
+            <a:solidFill>
+              <a:schemeClr val="tx1"/>
+            </a:solidFill>
+            <a:tailEnd type="triangle"/>
+          </a:ln>
+        </p:spPr>
+        <p:style>
+          <a:lnRef idx="1">
+            <a:schemeClr val="dk1"/>
+          </a:lnRef>
+          <a:fillRef idx="0">
+            <a:schemeClr val="dk1"/>
+          </a:fillRef>
+          <a:effectRef idx="0">
+            <a:schemeClr val="dk1"/>
+          </a:effectRef>
+          <a:fontRef idx="minor">
+            <a:schemeClr val="tx1"/>
+          </a:fontRef>
+        </p:style>
+      </p:cxnSp>
+      <p:cxnSp>
+        <p:nvCxnSpPr>
+          <p:cNvPr id="14" name="Straight Arrow Connector 13"/>
+          <p:cNvCxnSpPr>
+            <a:stCxn id="3" idx="3"/>
+          </p:cNvCxnSpPr>
+          <p:nvPr/>
+        </p:nvCxnSpPr>
+        <p:spPr>
+          <a:xfrm flipV="1">
+            <a:off x="5138474" y="3800475"/>
+            <a:ext cx="1367101" cy="1513597"/>
+          </a:xfrm>
+          <a:prstGeom prst="straightConnector1">
+            <a:avLst/>
+          </a:prstGeom>
+          <a:ln w="19050">
+            <a:solidFill>
+              <a:schemeClr val="tx1"/>
+            </a:solidFill>
+            <a:tailEnd type="triangle"/>
+          </a:ln>
+        </p:spPr>
+        <p:style>
+          <a:lnRef idx="1">
+            <a:schemeClr val="accent1"/>
+          </a:lnRef>
+          <a:fillRef idx="0">
+            <a:schemeClr val="accent1"/>
+          </a:fillRef>
+          <a:effectRef idx="0">
+            <a:schemeClr val="accent1"/>
+          </a:effectRef>
+          <a:fontRef idx="minor">
+            <a:schemeClr val="tx1"/>
+          </a:fontRef>
+        </p:style>
+      </p:cxnSp>
+      <p:sp>
+        <p:nvSpPr>
+          <p:cNvPr id="15" name="TextBox 14"/>
+          <p:cNvSpPr txBox="1"/>
+          <p:nvPr/>
+        </p:nvSpPr>
+        <p:spPr>
+          <a:xfrm>
+            <a:off x="9036730" y="1659403"/>
+            <a:ext cx="1562100" cy="646331"/>
+          </a:xfrm>
+          <a:prstGeom prst="rect">
+            <a:avLst/>
+          </a:prstGeom>
+          <a:noFill/>
+        </p:spPr>
+        <p:txBody>
+          <a:bodyPr wrap="square" rtlCol="0">
+            <a:spAutoFit/>
+          </a:bodyPr>
+          <a:lstStyle/>
+          <a:p>
+            <a:r>
+              <a:rPr lang="en-US" sz="1200" dirty="0">
+                <a:solidFill>
+                  <a:srgbClr val="C00000"/>
+                </a:solidFill>
+                <a:latin typeface="Times New Roman" panose="02020603050405020304" pitchFamily="18" charset="0"/>
+                <a:cs typeface="Times New Roman" panose="02020603050405020304" pitchFamily="18" charset="0"/>
+              </a:rPr>
+              <a:t>A</a:t>
+            </a:r>
+            <a:r>
+              <a:rPr lang="en-US" sz="1200" dirty="0" smtClean="0">
+                <a:solidFill>
+                  <a:srgbClr val="C00000"/>
+                </a:solidFill>
+                <a:latin typeface="Times New Roman" panose="02020603050405020304" pitchFamily="18" charset="0"/>
+                <a:cs typeface="Times New Roman" panose="02020603050405020304" pitchFamily="18" charset="0"/>
+              </a:rPr>
+              <a:t> </a:t>
+            </a:r>
+            <a:r>
+              <a:rPr lang="en-US" sz="1200" dirty="0">
+                <a:solidFill>
+                  <a:srgbClr val="C00000"/>
+                </a:solidFill>
+                <a:latin typeface="Times New Roman" panose="02020603050405020304" pitchFamily="18" charset="0"/>
+                <a:cs typeface="Times New Roman" panose="02020603050405020304" pitchFamily="18" charset="0"/>
+              </a:rPr>
+              <a:t>smaller SWS value</a:t>
+            </a:r>
+          </a:p>
+          <a:p>
+            <a:r>
+              <a:rPr lang="en-US" sz="1200" dirty="0">
+                <a:solidFill>
+                  <a:srgbClr val="C00000"/>
+                </a:solidFill>
+                <a:latin typeface="Times New Roman" panose="02020603050405020304" pitchFamily="18" charset="0"/>
+                <a:cs typeface="Times New Roman" panose="02020603050405020304" pitchFamily="18" charset="0"/>
+              </a:rPr>
+              <a:t>means closer position to the ideal solution.</a:t>
+            </a:r>
+            <a:endParaRPr lang="en-US" sz="1200" dirty="0">
+              <a:solidFill>
+                <a:srgbClr val="C00000"/>
+              </a:solidFill>
+              <a:latin typeface="Times New Roman" panose="02020603050405020304" pitchFamily="18" charset="0"/>
+              <a:cs typeface="Times New Roman" panose="02020603050405020304" pitchFamily="18" charset="0"/>
+            </a:endParaRPr>
+          </a:p>
+        </p:txBody>
+      </p:sp>
     </p:spTree>
     <p:extLst>
       <p:ext uri="{BB962C8B-B14F-4D97-AF65-F5344CB8AC3E}">
@@ -9009,6 +9335,13 @@
   <p:clrMapOvr>
     <a:masterClrMapping/>
   </p:clrMapOvr>
+  <p:timing>
+    <p:tnLst>
+      <p:par>
+        <p:cTn id="1" dur="indefinite" restart="never" nodeType="tmRoot"/>
+      </p:par>
+    </p:tnLst>
+  </p:timing>
 </p:sld>
 </file>
 
